--- a/Slides/2. Day 1 Why C#.pptx
+++ b/Slides/2. Day 1 Why C#.pptx
@@ -1665,7 +1665,7 @@
 <dgm:dataModel xmlns:dgm="http://schemas.openxmlformats.org/drawingml/2006/diagram" xmlns:a="http://schemas.openxmlformats.org/drawingml/2006/main">
   <dgm:ptLst>
     <dgm:pt modelId="{E5FD582F-4021-42E9-B4ED-D10BB63A3AA6}" type="doc">
-      <dgm:prSet loTypeId="urn:microsoft.com/office/officeart/2005/8/layout/vProcess5" loCatId="process" qsTypeId="urn:microsoft.com/office/officeart/2005/8/quickstyle/simple1" qsCatId="simple" csTypeId="urn:microsoft.com/office/officeart/2005/8/colors/colorful2" csCatId="colorful"/>
+      <dgm:prSet loTypeId="urn:microsoft.com/office/officeart/2005/8/layout/vProcess5" loCatId="process" qsTypeId="urn:microsoft.com/office/officeart/2005/8/quickstyle/simple1" qsCatId="simple" csTypeId="urn:microsoft.com/office/officeart/2005/8/colors/colorful2" csCatId="colorful" phldr="1"/>
       <dgm:spPr/>
       <dgm:t>
         <a:bodyPr/>
@@ -1763,11 +1763,11 @@
         <a:lstStyle/>
         <a:p>
           <a:r>
-            <a:rPr lang="en-US" b="1"/>
+            <a:rPr lang="en-US" b="1" dirty="0"/>
             <a:t>Modern &amp; Evolving</a:t>
           </a:r>
           <a:r>
-            <a:rPr lang="en-US"/>
+            <a:rPr lang="en-US" dirty="0"/>
             <a:t>: Constantly improving with features like async/await, pattern matching, primary constructors</a:t>
           </a:r>
         </a:p>
@@ -1803,11 +1803,11 @@
         <a:lstStyle/>
         <a:p>
           <a:r>
-            <a:rPr lang="en-US" b="1"/>
+            <a:rPr lang="en-US" b="1" dirty="0"/>
             <a:t>Build once, Run many</a:t>
           </a:r>
           <a:r>
-            <a:rPr lang="en-US"/>
+            <a:rPr lang="en-US" dirty="0"/>
             <a:t>: Cross platform</a:t>
           </a:r>
         </a:p>
@@ -1843,10 +1843,10 @@
         <a:lstStyle/>
         <a:p>
           <a:r>
-            <a:rPr lang="en-US" b="1"/>
+            <a:rPr lang="en-US" b="1" dirty="0"/>
             <a:t>That’s what we decided</a:t>
           </a:r>
-          <a:endParaRPr lang="en-US"/>
+          <a:endParaRPr lang="en-US" dirty="0"/>
         </a:p>
       </dgm:t>
     </dgm:pt>
@@ -2008,7 +2008,6 @@
     <dgm:cxn modelId="{2F58A430-C3B2-43B1-ADA7-9FC7F659A0AE}" type="presOf" srcId="{6FBA5CFB-7962-423A-AF5E-5BA9C458A1E3}" destId="{45CB22CA-2137-49BD-ABDE-31EB0797B0AF}" srcOrd="0" destOrd="0" presId="urn:microsoft.com/office/officeart/2005/8/layout/vProcess5"/>
     <dgm:cxn modelId="{E13B5335-F4CE-44D1-B552-86E8ECD891F4}" type="presOf" srcId="{339ABBDC-61D4-4D8C-B8FE-00AEF73E4FF2}" destId="{BC1BC0C3-B8EF-4934-9A0D-B8D53D3316A1}" srcOrd="1" destOrd="0" presId="urn:microsoft.com/office/officeart/2005/8/layout/vProcess5"/>
     <dgm:cxn modelId="{89786738-2398-447C-9DB3-4ADC0FA0851B}" type="presOf" srcId="{816A6ACB-B736-41DA-B44A-3FC076CB9377}" destId="{2772B983-F2DA-4C9A-A418-CD2672D49B53}" srcOrd="0" destOrd="0" presId="urn:microsoft.com/office/officeart/2005/8/layout/vProcess5"/>
-    <dgm:cxn modelId="{F5B8263B-4BD0-4C48-BAFC-F31000890DD9}" type="presOf" srcId="{9F8200C3-8BF4-42CC-BBF5-AFFE8365A72E}" destId="{3989D045-1044-49BB-81E0-CAECEEFB04F5}" srcOrd="0" destOrd="0" presId="urn:microsoft.com/office/officeart/2005/8/layout/vProcess5"/>
     <dgm:cxn modelId="{88ECB941-B153-42F5-95C4-67CD28A2F2D3}" type="presOf" srcId="{339ABBDC-61D4-4D8C-B8FE-00AEF73E4FF2}" destId="{B948200F-43B0-4B75-BF3E-ACC46A2BA080}" srcOrd="0" destOrd="0" presId="urn:microsoft.com/office/officeart/2005/8/layout/vProcess5"/>
     <dgm:cxn modelId="{D90BA848-DE4E-4A47-9D63-ED4EC7967793}" type="presOf" srcId="{659DDA50-6652-4F7E-BDB7-6C0AFE578127}" destId="{FA58D1FF-F5BB-4DA7-973F-82CC4A410A04}" srcOrd="0" destOrd="0" presId="urn:microsoft.com/office/officeart/2005/8/layout/vProcess5"/>
     <dgm:cxn modelId="{DDECF151-C74F-45B3-B69A-67F1B8272AD8}" srcId="{E5FD582F-4021-42E9-B4ED-D10BB63A3AA6}" destId="{9F8200C3-8BF4-42CC-BBF5-AFFE8365A72E}" srcOrd="4" destOrd="0" parTransId="{D935AB44-18EC-464A-8E99-BF5E004DCF94}" sibTransId="{62191ECF-E07C-459F-8685-61F9CB3B7232}"/>
@@ -2019,9 +2018,10 @@
     <dgm:cxn modelId="{594609AA-D07D-4395-B73E-33F116F38F3A}" type="presOf" srcId="{CD6CCCC6-BC14-427F-B2C3-9F662CF5F9F8}" destId="{872104AD-9763-48E4-87D7-8E7766C9689D}" srcOrd="0" destOrd="0" presId="urn:microsoft.com/office/officeart/2005/8/layout/vProcess5"/>
     <dgm:cxn modelId="{F421FCAB-752A-46DF-AEE3-1BD55B8C0793}" type="presOf" srcId="{35AB6919-8F85-4C09-8095-5BD9D9286F12}" destId="{5ABE7B34-9DA9-498F-A4A5-ED4DA338FE1A}" srcOrd="0" destOrd="0" presId="urn:microsoft.com/office/officeart/2005/8/layout/vProcess5"/>
     <dgm:cxn modelId="{62B220B9-841B-4F3D-A44D-9F304A704F3E}" type="presOf" srcId="{AA5E48E0-1C3F-4F23-A3B4-A9EAC4C446ED}" destId="{49492A80-C1CC-4344-AA89-1CEBFC856A35}" srcOrd="0" destOrd="0" presId="urn:microsoft.com/office/officeart/2005/8/layout/vProcess5"/>
-    <dgm:cxn modelId="{D31E18BB-1690-4F23-B900-A6330BECCEA7}" type="presOf" srcId="{9F8200C3-8BF4-42CC-BBF5-AFFE8365A72E}" destId="{DB4B8958-0D44-4B95-BDF5-05A85B35E3EE}" srcOrd="1" destOrd="0" presId="urn:microsoft.com/office/officeart/2005/8/layout/vProcess5"/>
+    <dgm:cxn modelId="{06F126C1-AFFB-48D7-BEE7-1ED51F2CAB6D}" type="presOf" srcId="{9F8200C3-8BF4-42CC-BBF5-AFFE8365A72E}" destId="{DB4B8958-0D44-4B95-BDF5-05A85B35E3EE}" srcOrd="1" destOrd="0" presId="urn:microsoft.com/office/officeart/2005/8/layout/vProcess5"/>
     <dgm:cxn modelId="{05CBB0D8-9AF8-415E-8BB4-E43E3F571E75}" srcId="{E5FD582F-4021-42E9-B4ED-D10BB63A3AA6}" destId="{35AB6919-8F85-4C09-8095-5BD9D9286F12}" srcOrd="0" destOrd="0" parTransId="{572A3E3A-25FA-4EAA-8301-9C35EC528CAA}" sibTransId="{659DDA50-6652-4F7E-BDB7-6C0AFE578127}"/>
     <dgm:cxn modelId="{1D7810D9-B760-414A-85F2-B8ECA8E7455F}" type="presOf" srcId="{6FBA5CFB-7962-423A-AF5E-5BA9C458A1E3}" destId="{A6380DC6-1E1F-4ECF-AC0E-C84E6FAC8F3F}" srcOrd="1" destOrd="0" presId="urn:microsoft.com/office/officeart/2005/8/layout/vProcess5"/>
+    <dgm:cxn modelId="{FEA331E6-46F8-4030-9289-67F759CCB6F5}" type="presOf" srcId="{9F8200C3-8BF4-42CC-BBF5-AFFE8365A72E}" destId="{3989D045-1044-49BB-81E0-CAECEEFB04F5}" srcOrd="0" destOrd="0" presId="urn:microsoft.com/office/officeart/2005/8/layout/vProcess5"/>
     <dgm:cxn modelId="{C6B8D55D-3809-4021-9675-BFF444408B49}" type="presParOf" srcId="{32F871ED-173D-467F-904B-ADB6B1AB0908}" destId="{101F1674-3FBD-4999-9A7C-1677366CDB97}" srcOrd="0" destOrd="0" presId="urn:microsoft.com/office/officeart/2005/8/layout/vProcess5"/>
     <dgm:cxn modelId="{EB95C5ED-14EB-432B-8136-420766EB5FFC}" type="presParOf" srcId="{32F871ED-173D-467F-904B-ADB6B1AB0908}" destId="{5ABE7B34-9DA9-498F-A4A5-ED4DA338FE1A}" srcOrd="1" destOrd="0" presId="urn:microsoft.com/office/officeart/2005/8/layout/vProcess5"/>
     <dgm:cxn modelId="{B9735FA9-396F-43E3-8C52-37B4B01E0B11}" type="presParOf" srcId="{32F871ED-173D-467F-904B-ADB6B1AB0908}" destId="{45CB22CA-2137-49BD-ABDE-31EB0797B0AF}" srcOrd="2" destOrd="0" presId="urn:microsoft.com/office/officeart/2005/8/layout/vProcess5"/>
@@ -2723,11 +2723,11 @@
             <a:buNone/>
           </a:pPr>
           <a:r>
-            <a:rPr lang="en-US" sz="1400" b="1" kern="1200"/>
+            <a:rPr lang="en-US" sz="1400" b="1" kern="1200" dirty="0"/>
             <a:t>Modern &amp; Evolving</a:t>
           </a:r>
           <a:r>
-            <a:rPr lang="en-US" sz="1400" kern="1200"/>
+            <a:rPr lang="en-US" sz="1400" kern="1200" dirty="0"/>
             <a:t>: Constantly improving with features like async/await, pattern matching, primary constructors</a:t>
           </a:r>
         </a:p>
@@ -2806,11 +2806,11 @@
             <a:buNone/>
           </a:pPr>
           <a:r>
-            <a:rPr lang="en-US" sz="1400" b="1" kern="1200"/>
+            <a:rPr lang="en-US" sz="1400" b="1" kern="1200" dirty="0"/>
             <a:t>Build once, Run many</a:t>
           </a:r>
           <a:r>
-            <a:rPr lang="en-US" sz="1400" kern="1200"/>
+            <a:rPr lang="en-US" sz="1400" kern="1200" dirty="0"/>
             <a:t>: Cross platform</a:t>
           </a:r>
         </a:p>
@@ -2889,10 +2889,10 @@
             <a:buNone/>
           </a:pPr>
           <a:r>
-            <a:rPr lang="en-US" sz="1400" b="1" kern="1200"/>
+            <a:rPr lang="en-US" sz="1400" b="1" kern="1200" dirty="0"/>
             <a:t>That’s what we decided</a:t>
           </a:r>
-          <a:endParaRPr lang="en-US" sz="1400" kern="1200"/>
+          <a:endParaRPr lang="en-US" sz="1400" kern="1200" dirty="0"/>
         </a:p>
       </dsp:txBody>
       <dsp:txXfrm>
@@ -8404,10 +8404,10 @@
               <a:buAutoNum type="arabicPeriod"/>
             </a:pPr>
             <a:r>
-              <a:rPr lang="en"/>
+              <a:rPr lang="en" dirty="0"/>
               <a:t>“Task” object</a:t>
             </a:r>
-            <a:endParaRPr/>
+            <a:endParaRPr dirty="0"/>
           </a:p>
           <a:p>
             <a:pPr marL="457200" lvl="0" indent="-298450" algn="l" rtl="0">
@@ -8438,10 +8438,10 @@
               <a:buAutoNum type="arabicPeriod"/>
             </a:pPr>
             <a:r>
-              <a:rPr lang="en"/>
+              <a:rPr lang="en" dirty="0"/>
               <a:t>TaskManager - Extract interface</a:t>
             </a:r>
-            <a:endParaRPr/>
+            <a:endParaRPr dirty="0"/>
           </a:p>
         </p:txBody>
       </p:sp>
@@ -9176,7 +9176,7 @@
             <a:fld id="{B61BEF0D-F0BB-DE4B-95CE-6DB70DBA9567}" type="datetimeFigureOut">
               <a:rPr lang="en-US" dirty="0"/>
               <a:pPr/>
-              <a:t>5/28/2025</a:t>
+              <a:t>6/1/2025</a:t>
             </a:fld>
             <a:endParaRPr lang="en-US" dirty="0"/>
           </a:p>
@@ -9438,7 +9438,7 @@
             <a:fld id="{B61BEF0D-F0BB-DE4B-95CE-6DB70DBA9567}" type="datetimeFigureOut">
               <a:rPr lang="en-US" dirty="0"/>
               <a:pPr/>
-              <a:t>5/28/2025</a:t>
+              <a:t>6/1/2025</a:t>
             </a:fld>
             <a:endParaRPr lang="en-US" dirty="0"/>
           </a:p>
@@ -9763,7 +9763,7 @@
             <a:fld id="{B61BEF0D-F0BB-DE4B-95CE-6DB70DBA9567}" type="datetimeFigureOut">
               <a:rPr lang="en-US" dirty="0"/>
               <a:pPr/>
-              <a:t>5/28/2025</a:t>
+              <a:t>6/1/2025</a:t>
             </a:fld>
             <a:endParaRPr lang="en-US" dirty="0"/>
           </a:p>
@@ -10115,7 +10115,7 @@
             <a:fld id="{B61BEF0D-F0BB-DE4B-95CE-6DB70DBA9567}" type="datetimeFigureOut">
               <a:rPr lang="en-US" dirty="0"/>
               <a:pPr/>
-              <a:t>5/28/2025</a:t>
+              <a:t>6/1/2025</a:t>
             </a:fld>
             <a:endParaRPr lang="en-US" dirty="0"/>
           </a:p>
@@ -10440,7 +10440,7 @@
             <a:fld id="{B61BEF0D-F0BB-DE4B-95CE-6DB70DBA9567}" type="datetimeFigureOut">
               <a:rPr lang="en-US" dirty="0"/>
               <a:pPr/>
-              <a:t>5/28/2025</a:t>
+              <a:t>6/1/2025</a:t>
             </a:fld>
             <a:endParaRPr lang="en-US" dirty="0"/>
           </a:p>
@@ -10844,7 +10844,7 @@
             <a:fld id="{B61BEF0D-F0BB-DE4B-95CE-6DB70DBA9567}" type="datetimeFigureOut">
               <a:rPr lang="en-US" dirty="0"/>
               <a:pPr/>
-              <a:t>5/28/2025</a:t>
+              <a:t>6/1/2025</a:t>
             </a:fld>
             <a:endParaRPr lang="en-US" dirty="0"/>
           </a:p>
@@ -11024,7 +11024,7 @@
           <a:p>
             <a:fld id="{55C6B4A9-1611-4792-9094-5F34BCA07E0B}" type="datetimeFigureOut">
               <a:rPr lang="en-US" dirty="0"/>
-              <a:t>5/28/2025</a:t>
+              <a:t>6/1/2025</a:t>
             </a:fld>
             <a:endParaRPr lang="en-US" dirty="0"/>
           </a:p>
@@ -11215,7 +11215,7 @@
             <a:fld id="{B61BEF0D-F0BB-DE4B-95CE-6DB70DBA9567}" type="datetimeFigureOut">
               <a:rPr lang="en-US" dirty="0"/>
               <a:pPr/>
-              <a:t>5/28/2025</a:t>
+              <a:t>6/1/2025</a:t>
             </a:fld>
             <a:endParaRPr lang="en-US" dirty="0"/>
           </a:p>
@@ -12007,7 +12007,7 @@
             <a:fld id="{B61BEF0D-F0BB-DE4B-95CE-6DB70DBA9567}" type="datetimeFigureOut">
               <a:rPr lang="en-US" dirty="0"/>
               <a:pPr/>
-              <a:t>5/28/2025</a:t>
+              <a:t>6/1/2025</a:t>
             </a:fld>
             <a:endParaRPr lang="en-US" dirty="0"/>
           </a:p>
@@ -12265,7 +12265,7 @@
             <a:fld id="{B61BEF0D-F0BB-DE4B-95CE-6DB70DBA9567}" type="datetimeFigureOut">
               <a:rPr lang="en-US" dirty="0"/>
               <a:pPr/>
-              <a:t>5/28/2025</a:t>
+              <a:t>6/1/2025</a:t>
             </a:fld>
             <a:endParaRPr lang="en-US" dirty="0"/>
           </a:p>
@@ -12507,7 +12507,7 @@
           <a:p>
             <a:fld id="{EB712588-04B1-427B-82EE-E8DB90309F08}" type="datetimeFigureOut">
               <a:rPr lang="en-US" dirty="0"/>
-              <a:t>5/28/2025</a:t>
+              <a:t>6/1/2025</a:t>
             </a:fld>
             <a:endParaRPr lang="en-US" dirty="0"/>
           </a:p>
@@ -12892,7 +12892,7 @@
             <a:fld id="{B61BEF0D-F0BB-DE4B-95CE-6DB70DBA9567}" type="datetimeFigureOut">
               <a:rPr lang="en-US" dirty="0"/>
               <a:pPr/>
-              <a:t>5/28/2025</a:t>
+              <a:t>6/1/2025</a:t>
             </a:fld>
             <a:endParaRPr lang="en-US" dirty="0"/>
           </a:p>
@@ -13026,7 +13026,7 @@
             <a:fld id="{B61BEF0D-F0BB-DE4B-95CE-6DB70DBA9567}" type="datetimeFigureOut">
               <a:rPr lang="en-US" dirty="0"/>
               <a:pPr/>
-              <a:t>5/28/2025</a:t>
+              <a:t>6/1/2025</a:t>
             </a:fld>
             <a:endParaRPr lang="en-US" dirty="0"/>
           </a:p>
@@ -13132,7 +13132,7 @@
             <a:fld id="{B61BEF0D-F0BB-DE4B-95CE-6DB70DBA9567}" type="datetimeFigureOut">
               <a:rPr lang="en-US" dirty="0"/>
               <a:pPr/>
-              <a:t>5/28/2025</a:t>
+              <a:t>6/1/2025</a:t>
             </a:fld>
             <a:endParaRPr lang="en-US" dirty="0"/>
           </a:p>
@@ -13396,7 +13396,7 @@
           <a:p>
             <a:fld id="{42A54C80-263E-416B-A8E0-580EDEADCBDC}" type="datetimeFigureOut">
               <a:rPr lang="en-US" dirty="0"/>
-              <a:t>5/28/2025</a:t>
+              <a:t>6/1/2025</a:t>
             </a:fld>
             <a:endParaRPr lang="en-US" dirty="0"/>
           </a:p>
@@ -13670,7 +13670,7 @@
             <a:fld id="{B61BEF0D-F0BB-DE4B-95CE-6DB70DBA9567}" type="datetimeFigureOut">
               <a:rPr lang="en-US" dirty="0"/>
               <a:pPr/>
-              <a:t>5/28/2025</a:t>
+              <a:t>6/1/2025</a:t>
             </a:fld>
             <a:endParaRPr lang="en-US" dirty="0"/>
           </a:p>
@@ -14424,7 +14424,7 @@
             <a:fld id="{B61BEF0D-F0BB-DE4B-95CE-6DB70DBA9567}" type="datetimeFigureOut">
               <a:rPr lang="en-US" dirty="0"/>
               <a:pPr/>
-              <a:t>5/28/2025</a:t>
+              <a:t>6/1/2025</a:t>
             </a:fld>
             <a:endParaRPr lang="en-US" dirty="0"/>
           </a:p>
@@ -16135,7 +16135,7 @@
           <p:nvPr>
             <p:extLst>
               <p:ext uri="{D42A27DB-BD31-4B8C-83A1-F6EECF244321}">
-                <p14:modId xmlns:p14="http://schemas.microsoft.com/office/powerpoint/2010/main" val="1131162082"/>
+                <p14:modId xmlns:p14="http://schemas.microsoft.com/office/powerpoint/2010/main" val="151007930"/>
               </p:ext>
             </p:extLst>
           </p:nvPr>
@@ -16155,6 +16155,412 @@
   <p:clrMapOvr>
     <a:masterClrMapping/>
   </p:clrMapOvr>
+  <p:timing>
+    <p:tnLst>
+      <p:par>
+        <p:cTn id="1" dur="indefinite" restart="never" nodeType="tmRoot">
+          <p:childTnLst>
+            <p:seq concurrent="1" nextAc="seek">
+              <p:cTn id="2" dur="indefinite" nodeType="mainSeq">
+                <p:childTnLst>
+                  <p:par>
+                    <p:cTn id="3" fill="hold">
+                      <p:stCondLst>
+                        <p:cond delay="indefinite"/>
+                      </p:stCondLst>
+                      <p:childTnLst>
+                        <p:par>
+                          <p:cTn id="4" fill="hold">
+                            <p:stCondLst>
+                              <p:cond delay="0"/>
+                            </p:stCondLst>
+                            <p:childTnLst>
+                              <p:par>
+                                <p:cTn id="5" presetID="1" presetClass="entr" presetSubtype="0" fill="hold" grpId="0" nodeType="clickEffect">
+                                  <p:stCondLst>
+                                    <p:cond delay="0"/>
+                                  </p:stCondLst>
+                                  <p:childTnLst>
+                                    <p:set>
+                                      <p:cBhvr>
+                                        <p:cTn id="6" dur="1" fill="hold">
+                                          <p:stCondLst>
+                                            <p:cond delay="0"/>
+                                          </p:stCondLst>
+                                        </p:cTn>
+                                        <p:tgtEl>
+                                          <p:spTgt spid="63">
+                                            <p:graphicEl>
+                                              <a:dgm id="{5ABE7B34-9DA9-498F-A4A5-ED4DA338FE1A}"/>
+                                            </p:graphicEl>
+                                          </p:spTgt>
+                                        </p:tgtEl>
+                                        <p:attrNameLst>
+                                          <p:attrName>style.visibility</p:attrName>
+                                        </p:attrNameLst>
+                                      </p:cBhvr>
+                                      <p:to>
+                                        <p:strVal val="visible"/>
+                                      </p:to>
+                                    </p:set>
+                                  </p:childTnLst>
+                                </p:cTn>
+                              </p:par>
+                            </p:childTnLst>
+                          </p:cTn>
+                        </p:par>
+                      </p:childTnLst>
+                    </p:cTn>
+                  </p:par>
+                  <p:par>
+                    <p:cTn id="7" fill="hold">
+                      <p:stCondLst>
+                        <p:cond delay="indefinite"/>
+                      </p:stCondLst>
+                      <p:childTnLst>
+                        <p:par>
+                          <p:cTn id="8" fill="hold">
+                            <p:stCondLst>
+                              <p:cond delay="0"/>
+                            </p:stCondLst>
+                            <p:childTnLst>
+                              <p:par>
+                                <p:cTn id="9" presetID="1" presetClass="entr" presetSubtype="0" fill="hold" grpId="0" nodeType="clickEffect">
+                                  <p:stCondLst>
+                                    <p:cond delay="0"/>
+                                  </p:stCondLst>
+                                  <p:childTnLst>
+                                    <p:set>
+                                      <p:cBhvr>
+                                        <p:cTn id="10" dur="1" fill="hold">
+                                          <p:stCondLst>
+                                            <p:cond delay="0"/>
+                                          </p:stCondLst>
+                                        </p:cTn>
+                                        <p:tgtEl>
+                                          <p:spTgt spid="63">
+                                            <p:graphicEl>
+                                              <a:dgm id="{FA58D1FF-F5BB-4DA7-973F-82CC4A410A04}"/>
+                                            </p:graphicEl>
+                                          </p:spTgt>
+                                        </p:tgtEl>
+                                        <p:attrNameLst>
+                                          <p:attrName>style.visibility</p:attrName>
+                                        </p:attrNameLst>
+                                      </p:cBhvr>
+                                      <p:to>
+                                        <p:strVal val="visible"/>
+                                      </p:to>
+                                    </p:set>
+                                  </p:childTnLst>
+                                </p:cTn>
+                              </p:par>
+                              <p:par>
+                                <p:cTn id="11" presetID="1" presetClass="entr" presetSubtype="0" fill="hold" grpId="0" nodeType="withEffect">
+                                  <p:stCondLst>
+                                    <p:cond delay="0"/>
+                                  </p:stCondLst>
+                                  <p:childTnLst>
+                                    <p:set>
+                                      <p:cBhvr>
+                                        <p:cTn id="12" dur="1" fill="hold">
+                                          <p:stCondLst>
+                                            <p:cond delay="0"/>
+                                          </p:stCondLst>
+                                        </p:cTn>
+                                        <p:tgtEl>
+                                          <p:spTgt spid="63">
+                                            <p:graphicEl>
+                                              <a:dgm id="{45CB22CA-2137-49BD-ABDE-31EB0797B0AF}"/>
+                                            </p:graphicEl>
+                                          </p:spTgt>
+                                        </p:tgtEl>
+                                        <p:attrNameLst>
+                                          <p:attrName>style.visibility</p:attrName>
+                                        </p:attrNameLst>
+                                      </p:cBhvr>
+                                      <p:to>
+                                        <p:strVal val="visible"/>
+                                      </p:to>
+                                    </p:set>
+                                  </p:childTnLst>
+                                </p:cTn>
+                              </p:par>
+                            </p:childTnLst>
+                          </p:cTn>
+                        </p:par>
+                      </p:childTnLst>
+                    </p:cTn>
+                  </p:par>
+                  <p:par>
+                    <p:cTn id="13" fill="hold">
+                      <p:stCondLst>
+                        <p:cond delay="indefinite"/>
+                      </p:stCondLst>
+                      <p:childTnLst>
+                        <p:par>
+                          <p:cTn id="14" fill="hold">
+                            <p:stCondLst>
+                              <p:cond delay="0"/>
+                            </p:stCondLst>
+                            <p:childTnLst>
+                              <p:par>
+                                <p:cTn id="15" presetID="1" presetClass="entr" presetSubtype="0" fill="hold" grpId="0" nodeType="clickEffect">
+                                  <p:stCondLst>
+                                    <p:cond delay="0"/>
+                                  </p:stCondLst>
+                                  <p:childTnLst>
+                                    <p:set>
+                                      <p:cBhvr>
+                                        <p:cTn id="16" dur="1" fill="hold">
+                                          <p:stCondLst>
+                                            <p:cond delay="0"/>
+                                          </p:stCondLst>
+                                        </p:cTn>
+                                        <p:tgtEl>
+                                          <p:spTgt spid="63">
+                                            <p:graphicEl>
+                                              <a:dgm id="{872104AD-9763-48E4-87D7-8E7766C9689D}"/>
+                                            </p:graphicEl>
+                                          </p:spTgt>
+                                        </p:tgtEl>
+                                        <p:attrNameLst>
+                                          <p:attrName>style.visibility</p:attrName>
+                                        </p:attrNameLst>
+                                      </p:cBhvr>
+                                      <p:to>
+                                        <p:strVal val="visible"/>
+                                      </p:to>
+                                    </p:set>
+                                  </p:childTnLst>
+                                </p:cTn>
+                              </p:par>
+                              <p:par>
+                                <p:cTn id="17" presetID="1" presetClass="entr" presetSubtype="0" fill="hold" grpId="0" nodeType="withEffect">
+                                  <p:stCondLst>
+                                    <p:cond delay="0"/>
+                                  </p:stCondLst>
+                                  <p:childTnLst>
+                                    <p:set>
+                                      <p:cBhvr>
+                                        <p:cTn id="18" dur="1" fill="hold">
+                                          <p:stCondLst>
+                                            <p:cond delay="0"/>
+                                          </p:stCondLst>
+                                        </p:cTn>
+                                        <p:tgtEl>
+                                          <p:spTgt spid="63">
+                                            <p:graphicEl>
+                                              <a:dgm id="{B948200F-43B0-4B75-BF3E-ACC46A2BA080}"/>
+                                            </p:graphicEl>
+                                          </p:spTgt>
+                                        </p:tgtEl>
+                                        <p:attrNameLst>
+                                          <p:attrName>style.visibility</p:attrName>
+                                        </p:attrNameLst>
+                                      </p:cBhvr>
+                                      <p:to>
+                                        <p:strVal val="visible"/>
+                                      </p:to>
+                                    </p:set>
+                                  </p:childTnLst>
+                                </p:cTn>
+                              </p:par>
+                            </p:childTnLst>
+                          </p:cTn>
+                        </p:par>
+                      </p:childTnLst>
+                    </p:cTn>
+                  </p:par>
+                  <p:par>
+                    <p:cTn id="19" fill="hold">
+                      <p:stCondLst>
+                        <p:cond delay="indefinite"/>
+                      </p:stCondLst>
+                      <p:childTnLst>
+                        <p:par>
+                          <p:cTn id="20" fill="hold">
+                            <p:stCondLst>
+                              <p:cond delay="0"/>
+                            </p:stCondLst>
+                            <p:childTnLst>
+                              <p:par>
+                                <p:cTn id="21" presetID="1" presetClass="entr" presetSubtype="0" fill="hold" grpId="0" nodeType="clickEffect">
+                                  <p:stCondLst>
+                                    <p:cond delay="0"/>
+                                  </p:stCondLst>
+                                  <p:childTnLst>
+                                    <p:set>
+                                      <p:cBhvr>
+                                        <p:cTn id="22" dur="1" fill="hold">
+                                          <p:stCondLst>
+                                            <p:cond delay="0"/>
+                                          </p:stCondLst>
+                                        </p:cTn>
+                                        <p:tgtEl>
+                                          <p:spTgt spid="63">
+                                            <p:graphicEl>
+                                              <a:dgm id="{5FF8B806-55A4-4E32-A4C7-73B08363D912}"/>
+                                            </p:graphicEl>
+                                          </p:spTgt>
+                                        </p:tgtEl>
+                                        <p:attrNameLst>
+                                          <p:attrName>style.visibility</p:attrName>
+                                        </p:attrNameLst>
+                                      </p:cBhvr>
+                                      <p:to>
+                                        <p:strVal val="visible"/>
+                                      </p:to>
+                                    </p:set>
+                                  </p:childTnLst>
+                                </p:cTn>
+                              </p:par>
+                              <p:par>
+                                <p:cTn id="23" presetID="1" presetClass="entr" presetSubtype="0" fill="hold" grpId="0" nodeType="withEffect">
+                                  <p:stCondLst>
+                                    <p:cond delay="0"/>
+                                  </p:stCondLst>
+                                  <p:childTnLst>
+                                    <p:set>
+                                      <p:cBhvr>
+                                        <p:cTn id="24" dur="1" fill="hold">
+                                          <p:stCondLst>
+                                            <p:cond delay="0"/>
+                                          </p:stCondLst>
+                                        </p:cTn>
+                                        <p:tgtEl>
+                                          <p:spTgt spid="63">
+                                            <p:graphicEl>
+                                              <a:dgm id="{2772B983-F2DA-4C9A-A418-CD2672D49B53}"/>
+                                            </p:graphicEl>
+                                          </p:spTgt>
+                                        </p:tgtEl>
+                                        <p:attrNameLst>
+                                          <p:attrName>style.visibility</p:attrName>
+                                        </p:attrNameLst>
+                                      </p:cBhvr>
+                                      <p:to>
+                                        <p:strVal val="visible"/>
+                                      </p:to>
+                                    </p:set>
+                                  </p:childTnLst>
+                                </p:cTn>
+                              </p:par>
+                            </p:childTnLst>
+                          </p:cTn>
+                        </p:par>
+                      </p:childTnLst>
+                    </p:cTn>
+                  </p:par>
+                  <p:par>
+                    <p:cTn id="25" fill="hold">
+                      <p:stCondLst>
+                        <p:cond delay="indefinite"/>
+                      </p:stCondLst>
+                      <p:childTnLst>
+                        <p:par>
+                          <p:cTn id="26" fill="hold">
+                            <p:stCondLst>
+                              <p:cond delay="0"/>
+                            </p:stCondLst>
+                            <p:childTnLst>
+                              <p:par>
+                                <p:cTn id="27" presetID="1" presetClass="entr" presetSubtype="0" fill="hold" grpId="0" nodeType="clickEffect">
+                                  <p:stCondLst>
+                                    <p:cond delay="0"/>
+                                  </p:stCondLst>
+                                  <p:childTnLst>
+                                    <p:set>
+                                      <p:cBhvr>
+                                        <p:cTn id="28" dur="1" fill="hold">
+                                          <p:stCondLst>
+                                            <p:cond delay="0"/>
+                                          </p:stCondLst>
+                                        </p:cTn>
+                                        <p:tgtEl>
+                                          <p:spTgt spid="63">
+                                            <p:graphicEl>
+                                              <a:dgm id="{49492A80-C1CC-4344-AA89-1CEBFC856A35}"/>
+                                            </p:graphicEl>
+                                          </p:spTgt>
+                                        </p:tgtEl>
+                                        <p:attrNameLst>
+                                          <p:attrName>style.visibility</p:attrName>
+                                        </p:attrNameLst>
+                                      </p:cBhvr>
+                                      <p:to>
+                                        <p:strVal val="visible"/>
+                                      </p:to>
+                                    </p:set>
+                                  </p:childTnLst>
+                                </p:cTn>
+                              </p:par>
+                              <p:par>
+                                <p:cTn id="29" presetID="1" presetClass="entr" presetSubtype="0" fill="hold" grpId="0" nodeType="withEffect">
+                                  <p:stCondLst>
+                                    <p:cond delay="0"/>
+                                  </p:stCondLst>
+                                  <p:childTnLst>
+                                    <p:set>
+                                      <p:cBhvr>
+                                        <p:cTn id="30" dur="1" fill="hold">
+                                          <p:stCondLst>
+                                            <p:cond delay="0"/>
+                                          </p:stCondLst>
+                                        </p:cTn>
+                                        <p:tgtEl>
+                                          <p:spTgt spid="63">
+                                            <p:graphicEl>
+                                              <a:dgm id="{3989D045-1044-49BB-81E0-CAECEEFB04F5}"/>
+                                            </p:graphicEl>
+                                          </p:spTgt>
+                                        </p:tgtEl>
+                                        <p:attrNameLst>
+                                          <p:attrName>style.visibility</p:attrName>
+                                        </p:attrNameLst>
+                                      </p:cBhvr>
+                                      <p:to>
+                                        <p:strVal val="visible"/>
+                                      </p:to>
+                                    </p:set>
+                                  </p:childTnLst>
+                                </p:cTn>
+                              </p:par>
+                            </p:childTnLst>
+                          </p:cTn>
+                        </p:par>
+                      </p:childTnLst>
+                    </p:cTn>
+                  </p:par>
+                </p:childTnLst>
+              </p:cTn>
+              <p:prevCondLst>
+                <p:cond evt="onPrev" delay="0">
+                  <p:tgtEl>
+                    <p:sldTgt/>
+                  </p:tgtEl>
+                </p:cond>
+              </p:prevCondLst>
+              <p:nextCondLst>
+                <p:cond evt="onNext" delay="0">
+                  <p:tgtEl>
+                    <p:sldTgt/>
+                  </p:tgtEl>
+                </p:cond>
+              </p:nextCondLst>
+            </p:seq>
+          </p:childTnLst>
+        </p:cTn>
+      </p:par>
+    </p:tnLst>
+    <p:bldLst>
+      <p:bldGraphic spid="63" grpId="0">
+        <p:bldSub>
+          <a:bldDgm bld="one"/>
+        </p:bldSub>
+      </p:bldGraphic>
+    </p:bldLst>
+  </p:timing>
 </p:sld>
 </file>
 
